--- a/教学/Day1.pptx
+++ b/教学/Day1.pptx
@@ -6,7 +6,11 @@
   </p:sldMasterIdLst>
   <p:sldIdLst>
     <p:sldId id="256" r:id="rId2"/>
-    <p:sldId id="257" r:id="rId3"/>
+    <p:sldId id="259" r:id="rId3"/>
+    <p:sldId id="258" r:id="rId4"/>
+    <p:sldId id="260" r:id="rId5"/>
+    <p:sldId id="261" r:id="rId6"/>
+    <p:sldId id="262" r:id="rId7"/>
   </p:sldIdLst>
   <p:sldSz cx="12192000" cy="6858000"/>
   <p:notesSz cx="6858000" cy="9144000"/>
@@ -105,6 +109,11 @@
       </a:defRPr>
     </a:lvl9pPr>
   </p:defaultTextStyle>
+  <p:extLst>
+    <p:ext uri="{EFAFB233-063F-42B5-8137-9DF3F51BA10A}">
+      <p15:sldGuideLst xmlns:p15="http://schemas.microsoft.com/office/powerpoint/2012/main"/>
+    </p:ext>
+  </p:extLst>
 </p:presentation>
 </file>
 
@@ -3407,55 +3416,580 @@
           <p:cNvPr id="2" name="标题 1">
             <a:extLst>
               <a:ext uri="{FF2B5EF4-FFF2-40B4-BE49-F238E27FC236}">
-                <a16:creationId xmlns:a16="http://schemas.microsoft.com/office/drawing/2014/main" id="{0A76BE8C-04A0-4094-B9D4-330FB492E5AB}"/>
-              </a:ext>
-            </a:extLst>
-          </p:cNvPr>
-          <p:cNvSpPr>
-            <a:spLocks noGrp="1"/>
-          </p:cNvSpPr>
-          <p:nvPr>
-            <p:ph type="ctrTitle"/>
-          </p:nvPr>
-        </p:nvSpPr>
-        <p:spPr/>
-        <p:txBody>
-          <a:bodyPr/>
-          <a:lstStyle/>
-          <a:p>
-            <a:endParaRPr lang="zh-CN" altLang="en-US"/>
-          </a:p>
-        </p:txBody>
-      </p:sp>
-      <p:sp>
-        <p:nvSpPr>
-          <p:cNvPr id="3" name="副标题 2">
-            <a:extLst>
-              <a:ext uri="{FF2B5EF4-FFF2-40B4-BE49-F238E27FC236}">
-                <a16:creationId xmlns:a16="http://schemas.microsoft.com/office/drawing/2014/main" id="{23135057-1CEE-4668-B1F6-C7C628BE1E55}"/>
-              </a:ext>
-            </a:extLst>
-          </p:cNvPr>
-          <p:cNvSpPr>
-            <a:spLocks noGrp="1"/>
-          </p:cNvSpPr>
-          <p:nvPr>
-            <p:ph type="subTitle" idx="1"/>
-          </p:nvPr>
-        </p:nvSpPr>
-        <p:spPr/>
-        <p:txBody>
-          <a:bodyPr/>
-          <a:lstStyle/>
-          <a:p>
-            <a:endParaRPr lang="zh-CN" altLang="en-US"/>
+                <a16:creationId xmlns:a16="http://schemas.microsoft.com/office/drawing/2014/main" id="{AF05F146-0AD2-429B-B99D-AC11BCA8B236}"/>
+              </a:ext>
+            </a:extLst>
+          </p:cNvPr>
+          <p:cNvSpPr>
+            <a:spLocks noGrp="1"/>
+          </p:cNvSpPr>
+          <p:nvPr>
+            <p:ph type="title"/>
+          </p:nvPr>
+        </p:nvSpPr>
+        <p:spPr/>
+        <p:txBody>
+          <a:bodyPr/>
+          <a:lstStyle/>
+          <a:p>
+            <a:r>
+              <a:rPr lang="en-US" altLang="zh-CN" dirty="0"/>
+              <a:t>Android Agenda</a:t>
+            </a:r>
+            <a:endParaRPr lang="zh-CN" altLang="en-US" dirty="0"/>
+          </a:p>
+        </p:txBody>
+      </p:sp>
+      <p:sp>
+        <p:nvSpPr>
+          <p:cNvPr id="3" name="内容占位符 2">
+            <a:extLst>
+              <a:ext uri="{FF2B5EF4-FFF2-40B4-BE49-F238E27FC236}">
+                <a16:creationId xmlns:a16="http://schemas.microsoft.com/office/drawing/2014/main" id="{20C86F7B-411F-4265-979F-41D3577ADBD6}"/>
+              </a:ext>
+            </a:extLst>
+          </p:cNvPr>
+          <p:cNvSpPr>
+            <a:spLocks noGrp="1"/>
+          </p:cNvSpPr>
+          <p:nvPr>
+            <p:ph idx="1"/>
+          </p:nvPr>
+        </p:nvSpPr>
+        <p:spPr/>
+        <p:txBody>
+          <a:bodyPr/>
+          <a:lstStyle/>
+          <a:p>
+            <a:r>
+              <a:rPr lang="en-US" altLang="zh-CN" dirty="0"/>
+              <a:t>Overall structure &amp; history</a:t>
+            </a:r>
+          </a:p>
+          <a:p>
+            <a:r>
+              <a:rPr lang="zh-CN" altLang="en-US" dirty="0"/>
+              <a:t>分层介绍</a:t>
+            </a:r>
+            <a:endParaRPr lang="en-US" altLang="zh-CN" dirty="0"/>
+          </a:p>
+          <a:p>
+            <a:pPr lvl="1"/>
+            <a:r>
+              <a:rPr lang="en-US" altLang="zh-CN" dirty="0"/>
+              <a:t>App</a:t>
+            </a:r>
+          </a:p>
+          <a:p>
+            <a:pPr lvl="1"/>
+            <a:r>
+              <a:rPr lang="en-US" altLang="zh-CN" dirty="0"/>
+              <a:t>FWK</a:t>
+            </a:r>
+          </a:p>
+          <a:p>
+            <a:pPr lvl="1"/>
+            <a:r>
+              <a:rPr lang="en-US" altLang="zh-CN" dirty="0"/>
+              <a:t>ART</a:t>
+            </a:r>
+          </a:p>
+          <a:p>
+            <a:pPr lvl="1"/>
+            <a:r>
+              <a:rPr lang="en-US" altLang="zh-CN" dirty="0"/>
+              <a:t>HAL</a:t>
+            </a:r>
+          </a:p>
+          <a:p>
+            <a:pPr lvl="1"/>
+            <a:r>
+              <a:rPr lang="en-US" altLang="zh-CN" dirty="0"/>
+              <a:t>Kernel</a:t>
+            </a:r>
+          </a:p>
+          <a:p>
+            <a:endParaRPr lang="zh-CN" altLang="en-US" dirty="0"/>
           </a:p>
         </p:txBody>
       </p:sp>
     </p:spTree>
     <p:extLst>
       <p:ext uri="{BB962C8B-B14F-4D97-AF65-F5344CB8AC3E}">
-        <p14:creationId xmlns:p14="http://schemas.microsoft.com/office/powerpoint/2010/main" val="232946808"/>
+        <p14:creationId xmlns:p14="http://schemas.microsoft.com/office/powerpoint/2010/main" val="3078240304"/>
+      </p:ext>
+    </p:extLst>
+  </p:cSld>
+  <p:clrMapOvr>
+    <a:masterClrMapping/>
+  </p:clrMapOvr>
+</p:sld>
+</file>
+
+<file path=ppt/slides/slide3.xml><?xml version="1.0" encoding="utf-8"?>
+<p:sld xmlns:a="http://schemas.openxmlformats.org/drawingml/2006/main" xmlns:r="http://schemas.openxmlformats.org/officeDocument/2006/relationships" xmlns:p="http://schemas.openxmlformats.org/presentationml/2006/main">
+  <p:cSld>
+    <p:spTree>
+      <p:nvGrpSpPr>
+        <p:cNvPr id="1" name=""/>
+        <p:cNvGrpSpPr/>
+        <p:nvPr/>
+      </p:nvGrpSpPr>
+      <p:grpSpPr>
+        <a:xfrm>
+          <a:off x="0" y="0"/>
+          <a:ext cx="0" cy="0"/>
+          <a:chOff x="0" y="0"/>
+          <a:chExt cx="0" cy="0"/>
+        </a:xfrm>
+      </p:grpSpPr>
+      <p:sp>
+        <p:nvSpPr>
+          <p:cNvPr id="2" name="标题 1">
+            <a:extLst>
+              <a:ext uri="{FF2B5EF4-FFF2-40B4-BE49-F238E27FC236}">
+                <a16:creationId xmlns:a16="http://schemas.microsoft.com/office/drawing/2014/main" id="{9B6339AF-4C1E-41FE-B1B5-CA672805AA3E}"/>
+              </a:ext>
+            </a:extLst>
+          </p:cNvPr>
+          <p:cNvSpPr>
+            <a:spLocks noGrp="1"/>
+          </p:cNvSpPr>
+          <p:nvPr>
+            <p:ph type="title"/>
+          </p:nvPr>
+        </p:nvSpPr>
+        <p:spPr/>
+        <p:txBody>
+          <a:bodyPr/>
+          <a:lstStyle/>
+          <a:p>
+            <a:r>
+              <a:rPr lang="en-US" altLang="zh-CN" dirty="0"/>
+              <a:t>Kernel Agenda</a:t>
+            </a:r>
+            <a:endParaRPr lang="zh-CN" altLang="en-US" dirty="0"/>
+          </a:p>
+        </p:txBody>
+      </p:sp>
+      <p:sp>
+        <p:nvSpPr>
+          <p:cNvPr id="3" name="内容占位符 2">
+            <a:extLst>
+              <a:ext uri="{FF2B5EF4-FFF2-40B4-BE49-F238E27FC236}">
+                <a16:creationId xmlns:a16="http://schemas.microsoft.com/office/drawing/2014/main" id="{DFB66570-6E4A-43D3-A0FB-D062B6B14AC8}"/>
+              </a:ext>
+            </a:extLst>
+          </p:cNvPr>
+          <p:cNvSpPr>
+            <a:spLocks noGrp="1"/>
+          </p:cNvSpPr>
+          <p:nvPr>
+            <p:ph idx="1"/>
+          </p:nvPr>
+        </p:nvSpPr>
+        <p:spPr/>
+        <p:txBody>
+          <a:bodyPr/>
+          <a:lstStyle/>
+          <a:p>
+            <a:r>
+              <a:rPr lang="en-US" altLang="zh-CN" dirty="0"/>
+              <a:t>Kernel </a:t>
+            </a:r>
+            <a:r>
+              <a:rPr lang="zh-CN" altLang="en-US" dirty="0"/>
+              <a:t>来龙去脉</a:t>
+            </a:r>
+            <a:endParaRPr lang="en-US" altLang="zh-CN" dirty="0"/>
+          </a:p>
+          <a:p>
+            <a:r>
+              <a:rPr lang="en-US" altLang="zh-CN" dirty="0"/>
+              <a:t>Kernel </a:t>
+            </a:r>
+            <a:r>
+              <a:rPr lang="zh-CN" altLang="en-US" dirty="0"/>
+              <a:t>获取，编译，配置介绍</a:t>
+            </a:r>
+            <a:endParaRPr lang="en-US" altLang="zh-CN" dirty="0"/>
+          </a:p>
+          <a:p>
+            <a:r>
+              <a:rPr lang="en-US" altLang="zh-CN" dirty="0"/>
+              <a:t>Process </a:t>
+            </a:r>
+            <a:r>
+              <a:rPr lang="zh-CN" altLang="en-US" dirty="0"/>
+              <a:t>说起</a:t>
+            </a:r>
+            <a:endParaRPr lang="en-US" altLang="zh-CN" dirty="0"/>
+          </a:p>
+          <a:p>
+            <a:r>
+              <a:rPr lang="zh-CN" altLang="en-US" dirty="0"/>
+              <a:t>什么是 </a:t>
+            </a:r>
+            <a:r>
+              <a:rPr lang="en-US" altLang="zh-CN" dirty="0"/>
+              <a:t>System Call</a:t>
+            </a:r>
+          </a:p>
+          <a:p>
+            <a:r>
+              <a:rPr lang="en-US" altLang="zh-CN" dirty="0"/>
+              <a:t>Memory management</a:t>
+            </a:r>
+          </a:p>
+          <a:p>
+            <a:r>
+              <a:rPr lang="en-US" altLang="zh-CN" dirty="0"/>
+              <a:t>File system</a:t>
+            </a:r>
+          </a:p>
+          <a:p>
+            <a:r>
+              <a:rPr lang="en-US" altLang="zh-CN" dirty="0"/>
+              <a:t>Device &amp; Modules</a:t>
+            </a:r>
+          </a:p>
+          <a:p>
+            <a:r>
+              <a:rPr lang="en-US" altLang="zh-CN" dirty="0"/>
+              <a:t>Debugging</a:t>
+            </a:r>
+          </a:p>
+        </p:txBody>
+      </p:sp>
+    </p:spTree>
+    <p:extLst>
+      <p:ext uri="{BB962C8B-B14F-4D97-AF65-F5344CB8AC3E}">
+        <p14:creationId xmlns:p14="http://schemas.microsoft.com/office/powerpoint/2010/main" val="3237733239"/>
+      </p:ext>
+    </p:extLst>
+  </p:cSld>
+  <p:clrMapOvr>
+    <a:masterClrMapping/>
+  </p:clrMapOvr>
+</p:sld>
+</file>
+
+<file path=ppt/slides/slide4.xml><?xml version="1.0" encoding="utf-8"?>
+<p:sld xmlns:a="http://schemas.openxmlformats.org/drawingml/2006/main" xmlns:r="http://schemas.openxmlformats.org/officeDocument/2006/relationships" xmlns:p="http://schemas.openxmlformats.org/presentationml/2006/main">
+  <p:cSld>
+    <p:spTree>
+      <p:nvGrpSpPr>
+        <p:cNvPr id="1" name=""/>
+        <p:cNvGrpSpPr/>
+        <p:nvPr/>
+      </p:nvGrpSpPr>
+      <p:grpSpPr>
+        <a:xfrm>
+          <a:off x="0" y="0"/>
+          <a:ext cx="0" cy="0"/>
+          <a:chOff x="0" y="0"/>
+          <a:chExt cx="0" cy="0"/>
+        </a:xfrm>
+      </p:grpSpPr>
+      <p:sp>
+        <p:nvSpPr>
+          <p:cNvPr id="2" name="标题 1">
+            <a:extLst>
+              <a:ext uri="{FF2B5EF4-FFF2-40B4-BE49-F238E27FC236}">
+                <a16:creationId xmlns:a16="http://schemas.microsoft.com/office/drawing/2014/main" id="{81A630A9-7693-4220-B4E7-F23FE14EAD91}"/>
+              </a:ext>
+            </a:extLst>
+          </p:cNvPr>
+          <p:cNvSpPr>
+            <a:spLocks noGrp="1"/>
+          </p:cNvSpPr>
+          <p:nvPr>
+            <p:ph type="title"/>
+          </p:nvPr>
+        </p:nvSpPr>
+        <p:spPr/>
+        <p:txBody>
+          <a:bodyPr/>
+          <a:lstStyle/>
+          <a:p>
+            <a:r>
+              <a:rPr lang="en-US" altLang="zh-CN" dirty="0"/>
+              <a:t>Driver Agenda</a:t>
+            </a:r>
+            <a:endParaRPr lang="zh-CN" altLang="en-US" dirty="0"/>
+          </a:p>
+        </p:txBody>
+      </p:sp>
+      <p:sp>
+        <p:nvSpPr>
+          <p:cNvPr id="3" name="内容占位符 2">
+            <a:extLst>
+              <a:ext uri="{FF2B5EF4-FFF2-40B4-BE49-F238E27FC236}">
+                <a16:creationId xmlns:a16="http://schemas.microsoft.com/office/drawing/2014/main" id="{2392335E-7A8E-42C4-B21F-3D5EF1F54BC6}"/>
+              </a:ext>
+            </a:extLst>
+          </p:cNvPr>
+          <p:cNvSpPr>
+            <a:spLocks noGrp="1"/>
+          </p:cNvSpPr>
+          <p:nvPr>
+            <p:ph idx="1"/>
+          </p:nvPr>
+        </p:nvSpPr>
+        <p:spPr/>
+        <p:txBody>
+          <a:bodyPr/>
+          <a:lstStyle/>
+          <a:p>
+            <a:endParaRPr lang="zh-CN" altLang="en-US" dirty="0"/>
+          </a:p>
+        </p:txBody>
+      </p:sp>
+    </p:spTree>
+    <p:extLst>
+      <p:ext uri="{BB962C8B-B14F-4D97-AF65-F5344CB8AC3E}">
+        <p14:creationId xmlns:p14="http://schemas.microsoft.com/office/powerpoint/2010/main" val="4068273561"/>
+      </p:ext>
+    </p:extLst>
+  </p:cSld>
+  <p:clrMapOvr>
+    <a:masterClrMapping/>
+  </p:clrMapOvr>
+</p:sld>
+</file>
+
+<file path=ppt/slides/slide5.xml><?xml version="1.0" encoding="utf-8"?>
+<p:sld xmlns:a="http://schemas.openxmlformats.org/drawingml/2006/main" xmlns:r="http://schemas.openxmlformats.org/officeDocument/2006/relationships" xmlns:p="http://schemas.openxmlformats.org/presentationml/2006/main">
+  <p:cSld>
+    <p:spTree>
+      <p:nvGrpSpPr>
+        <p:cNvPr id="1" name=""/>
+        <p:cNvGrpSpPr/>
+        <p:nvPr/>
+      </p:nvGrpSpPr>
+      <p:grpSpPr>
+        <a:xfrm>
+          <a:off x="0" y="0"/>
+          <a:ext cx="0" cy="0"/>
+          <a:chOff x="0" y="0"/>
+          <a:chExt cx="0" cy="0"/>
+        </a:xfrm>
+      </p:grpSpPr>
+      <p:sp>
+        <p:nvSpPr>
+          <p:cNvPr id="2" name="标题 1">
+            <a:extLst>
+              <a:ext uri="{FF2B5EF4-FFF2-40B4-BE49-F238E27FC236}">
+                <a16:creationId xmlns:a16="http://schemas.microsoft.com/office/drawing/2014/main" id="{68CEF970-A062-4C45-B7EF-B72914BDEE01}"/>
+              </a:ext>
+            </a:extLst>
+          </p:cNvPr>
+          <p:cNvSpPr>
+            <a:spLocks noGrp="1"/>
+          </p:cNvSpPr>
+          <p:nvPr>
+            <p:ph type="title"/>
+          </p:nvPr>
+        </p:nvSpPr>
+        <p:spPr/>
+        <p:txBody>
+          <a:bodyPr/>
+          <a:lstStyle/>
+          <a:p>
+            <a:r>
+              <a:rPr lang="zh-CN" altLang="en-US" dirty="0"/>
+              <a:t>开发一个实例 </a:t>
+            </a:r>
+            <a:r>
+              <a:rPr lang="en-US" altLang="zh-CN" dirty="0"/>
+              <a:t>Agenda</a:t>
+            </a:r>
+            <a:endParaRPr lang="zh-CN" altLang="en-US" dirty="0"/>
+          </a:p>
+        </p:txBody>
+      </p:sp>
+      <p:sp>
+        <p:nvSpPr>
+          <p:cNvPr id="3" name="内容占位符 2">
+            <a:extLst>
+              <a:ext uri="{FF2B5EF4-FFF2-40B4-BE49-F238E27FC236}">
+                <a16:creationId xmlns:a16="http://schemas.microsoft.com/office/drawing/2014/main" id="{B0FDED61-476C-4EFE-82D1-00ABD0BA16AB}"/>
+              </a:ext>
+            </a:extLst>
+          </p:cNvPr>
+          <p:cNvSpPr>
+            <a:spLocks noGrp="1"/>
+          </p:cNvSpPr>
+          <p:nvPr>
+            <p:ph idx="1"/>
+          </p:nvPr>
+        </p:nvSpPr>
+        <p:spPr/>
+        <p:txBody>
+          <a:bodyPr/>
+          <a:lstStyle/>
+          <a:p>
+            <a:endParaRPr lang="zh-CN" altLang="en-US"/>
+          </a:p>
+        </p:txBody>
+      </p:sp>
+    </p:spTree>
+    <p:extLst>
+      <p:ext uri="{BB962C8B-B14F-4D97-AF65-F5344CB8AC3E}">
+        <p14:creationId xmlns:p14="http://schemas.microsoft.com/office/powerpoint/2010/main" val="1737929473"/>
+      </p:ext>
+    </p:extLst>
+  </p:cSld>
+  <p:clrMapOvr>
+    <a:masterClrMapping/>
+  </p:clrMapOvr>
+</p:sld>
+</file>
+
+<file path=ppt/slides/slide6.xml><?xml version="1.0" encoding="utf-8"?>
+<p:sld xmlns:a="http://schemas.openxmlformats.org/drawingml/2006/main" xmlns:r="http://schemas.openxmlformats.org/officeDocument/2006/relationships" xmlns:p="http://schemas.openxmlformats.org/presentationml/2006/main">
+  <p:cSld>
+    <p:spTree>
+      <p:nvGrpSpPr>
+        <p:cNvPr id="1" name=""/>
+        <p:cNvGrpSpPr/>
+        <p:nvPr/>
+      </p:nvGrpSpPr>
+      <p:grpSpPr>
+        <a:xfrm>
+          <a:off x="0" y="0"/>
+          <a:ext cx="0" cy="0"/>
+          <a:chOff x="0" y="0"/>
+          <a:chExt cx="0" cy="0"/>
+        </a:xfrm>
+      </p:grpSpPr>
+      <p:sp>
+        <p:nvSpPr>
+          <p:cNvPr id="2" name="标题 1">
+            <a:extLst>
+              <a:ext uri="{FF2B5EF4-FFF2-40B4-BE49-F238E27FC236}">
+                <a16:creationId xmlns:a16="http://schemas.microsoft.com/office/drawing/2014/main" id="{7B53ED0C-8418-4992-99C4-C8E845D41842}"/>
+              </a:ext>
+            </a:extLst>
+          </p:cNvPr>
+          <p:cNvSpPr>
+            <a:spLocks noGrp="1"/>
+          </p:cNvSpPr>
+          <p:nvPr>
+            <p:ph type="title"/>
+          </p:nvPr>
+        </p:nvSpPr>
+        <p:spPr/>
+        <p:txBody>
+          <a:bodyPr/>
+          <a:lstStyle/>
+          <a:p>
+            <a:r>
+              <a:rPr lang="en-US" altLang="zh-CN" dirty="0"/>
+              <a:t>Tools Agenda</a:t>
+            </a:r>
+            <a:endParaRPr lang="zh-CN" altLang="en-US" dirty="0"/>
+          </a:p>
+        </p:txBody>
+      </p:sp>
+      <p:sp>
+        <p:nvSpPr>
+          <p:cNvPr id="3" name="内容占位符 2">
+            <a:extLst>
+              <a:ext uri="{FF2B5EF4-FFF2-40B4-BE49-F238E27FC236}">
+                <a16:creationId xmlns:a16="http://schemas.microsoft.com/office/drawing/2014/main" id="{3781B0F6-6E0E-4A34-AE59-FEF20201714C}"/>
+              </a:ext>
+            </a:extLst>
+          </p:cNvPr>
+          <p:cNvSpPr>
+            <a:spLocks noGrp="1"/>
+          </p:cNvSpPr>
+          <p:nvPr>
+            <p:ph idx="1"/>
+          </p:nvPr>
+        </p:nvSpPr>
+        <p:spPr/>
+        <p:txBody>
+          <a:bodyPr/>
+          <a:lstStyle/>
+          <a:p>
+            <a:r>
+              <a:rPr lang="zh-CN" altLang="en-US" dirty="0"/>
+              <a:t>各个 </a:t>
+            </a:r>
+            <a:r>
+              <a:rPr lang="en-US" altLang="zh-CN" dirty="0"/>
+              <a:t>level </a:t>
+            </a:r>
+            <a:r>
+              <a:rPr lang="zh-CN" altLang="en-US" dirty="0"/>
+              <a:t>的 </a:t>
+            </a:r>
+            <a:r>
+              <a:rPr lang="en-US" altLang="zh-CN" dirty="0"/>
+              <a:t>tool </a:t>
+            </a:r>
+            <a:r>
+              <a:rPr lang="zh-CN" altLang="en-US" dirty="0"/>
+              <a:t>来帮助在工作中解决</a:t>
+            </a:r>
+            <a:r>
+              <a:rPr lang="en-US" altLang="zh-CN" dirty="0"/>
+              <a:t>debug</a:t>
+            </a:r>
+          </a:p>
+          <a:p>
+            <a:r>
+              <a:rPr lang="en-US" altLang="zh-CN" dirty="0"/>
+              <a:t>UI </a:t>
+            </a:r>
+            <a:r>
+              <a:rPr lang="zh-CN" altLang="en-US" dirty="0"/>
+              <a:t>的分析</a:t>
+            </a:r>
+            <a:endParaRPr lang="en-US" altLang="zh-CN" dirty="0"/>
+          </a:p>
+          <a:p>
+            <a:r>
+              <a:rPr lang="en-US" altLang="zh-CN" dirty="0"/>
+              <a:t>Log </a:t>
+            </a:r>
+            <a:r>
+              <a:rPr lang="zh-CN" altLang="en-US" dirty="0"/>
+              <a:t>的使用</a:t>
+            </a:r>
+            <a:endParaRPr lang="en-US" altLang="zh-CN" dirty="0"/>
+          </a:p>
+          <a:p>
+            <a:r>
+              <a:rPr lang="en-US" altLang="zh-CN" dirty="0" err="1"/>
+              <a:t>Systrace</a:t>
+            </a:r>
+            <a:endParaRPr lang="en-US" altLang="zh-CN" dirty="0"/>
+          </a:p>
+          <a:p>
+            <a:r>
+              <a:rPr lang="en-US" altLang="zh-CN" dirty="0"/>
+              <a:t>GDB</a:t>
+            </a:r>
+          </a:p>
+          <a:p>
+            <a:r>
+              <a:rPr lang="en-US" altLang="zh-CN" dirty="0" err="1"/>
+              <a:t>Traceview</a:t>
+            </a:r>
+            <a:r>
+              <a:rPr lang="zh-CN" altLang="en-US"/>
+              <a:t>等等</a:t>
+            </a:r>
+            <a:endParaRPr lang="en-US" altLang="zh-CN"/>
+          </a:p>
+        </p:txBody>
+      </p:sp>
+    </p:spTree>
+    <p:extLst>
+      <p:ext uri="{BB962C8B-B14F-4D97-AF65-F5344CB8AC3E}">
+        <p14:creationId xmlns:p14="http://schemas.microsoft.com/office/powerpoint/2010/main" val="2909744453"/>
       </p:ext>
     </p:extLst>
   </p:cSld>
